--- a/LuxWatch.pptx
+++ b/LuxWatch.pptx
@@ -212,7 +212,7 @@
           <a:p>
             <a:fld id="{AFD01546-198A-4195-BCF8-F0FF54C90E5E}" type="datetimeFigureOut">
               <a:rPr lang="en-US" smtClean="0"/>
-              <a:t>3/25/2022</a:t>
+              <a:t>3/26/2022</a:t>
             </a:fld>
             <a:endParaRPr lang="en-US" dirty="0"/>
           </a:p>
@@ -808,7 +808,7 @@
           <a:p>
             <a:fld id="{88D38747-4367-4BD2-8D51-C97E202738E2}" type="datetime1">
               <a:rPr lang="en-US" smtClean="0"/>
-              <a:t>3/25/2022</a:t>
+              <a:t>3/26/2022</a:t>
             </a:fld>
             <a:endParaRPr lang="en-US" dirty="0"/>
           </a:p>
@@ -1113,7 +1113,7 @@
           <a:p>
             <a:fld id="{11F1B079-7EF0-44EE-B798-BCC497C9F3B2}" type="datetime1">
               <a:rPr lang="en-US" smtClean="0"/>
-              <a:t>3/25/2022</a:t>
+              <a:t>3/26/2022</a:t>
             </a:fld>
             <a:endParaRPr lang="en-US" dirty="0"/>
           </a:p>
@@ -1307,7 +1307,7 @@
           <a:p>
             <a:fld id="{28FF70A8-1D13-4657-95F0-A9EA54967B8D}" type="datetime1">
               <a:rPr lang="en-US" smtClean="0"/>
-              <a:t>3/25/2022</a:t>
+              <a:t>3/26/2022</a:t>
             </a:fld>
             <a:endParaRPr lang="en-US" dirty="0"/>
           </a:p>
@@ -1570,7 +1570,7 @@
           <a:p>
             <a:fld id="{21EB90AC-71BD-4C7F-8ACA-7B3F18292E63}" type="datetime1">
               <a:rPr lang="en-US" smtClean="0"/>
-              <a:t>3/25/2022</a:t>
+              <a:t>3/26/2022</a:t>
             </a:fld>
             <a:endParaRPr lang="en-US" dirty="0"/>
           </a:p>
@@ -2006,7 +2006,7 @@
           <a:p>
             <a:fld id="{4E6EFC2C-8905-46F0-B443-CE905B76BA01}" type="datetime1">
               <a:rPr lang="en-US" smtClean="0"/>
-              <a:t>3/25/2022</a:t>
+              <a:t>3/26/2022</a:t>
             </a:fld>
             <a:endParaRPr lang="en-US" dirty="0"/>
           </a:p>
@@ -2543,7 +2543,7 @@
           <a:p>
             <a:fld id="{D9079DC3-C9B5-499E-9140-0DC28B7074E2}" type="datetime1">
               <a:rPr lang="en-US" smtClean="0"/>
-              <a:t>3/25/2022</a:t>
+              <a:t>3/26/2022</a:t>
             </a:fld>
             <a:endParaRPr lang="en-US" dirty="0"/>
           </a:p>
@@ -3425,7 +3425,7 @@
           <a:p>
             <a:fld id="{30BB33EA-E472-4D22-9C03-A9C14AA21CED}" type="datetime1">
               <a:rPr lang="en-US" smtClean="0"/>
-              <a:t>3/25/2022</a:t>
+              <a:t>3/26/2022</a:t>
             </a:fld>
             <a:endParaRPr lang="en-US" dirty="0"/>
           </a:p>
@@ -3595,7 +3595,7 @@
           <a:p>
             <a:fld id="{73C55A3C-5767-4844-A0A3-83778C2E5409}" type="datetime1">
               <a:rPr lang="en-US" smtClean="0"/>
-              <a:t>3/25/2022</a:t>
+              <a:t>3/26/2022</a:t>
             </a:fld>
             <a:endParaRPr lang="en-US" dirty="0"/>
           </a:p>
@@ -3839,7 +3839,7 @@
           <a:p>
             <a:fld id="{CAE507A8-A5CF-4D38-AB86-7EDDA87A85D4}" type="datetime1">
               <a:rPr lang="en-US" smtClean="0"/>
-              <a:t>3/25/2022</a:t>
+              <a:t>3/26/2022</a:t>
             </a:fld>
             <a:endParaRPr lang="en-US" dirty="0"/>
           </a:p>
@@ -4081,7 +4081,7 @@
           <a:p>
             <a:fld id="{BDFCD27C-8599-43EF-BA1D-14DDC1946E06}" type="datetime1">
               <a:rPr lang="en-US" smtClean="0"/>
-              <a:t>3/25/2022</a:t>
+              <a:t>3/26/2022</a:t>
             </a:fld>
             <a:endParaRPr lang="en-US" dirty="0"/>
           </a:p>
@@ -4564,7 +4564,7 @@
           <a:p>
             <a:fld id="{49343D99-809A-49C0-96E5-4250D0B498EE}" type="datetime1">
               <a:rPr lang="en-US" smtClean="0"/>
-              <a:t>3/25/2022</a:t>
+              <a:t>3/26/2022</a:t>
             </a:fld>
             <a:endParaRPr lang="en-US" dirty="0"/>
           </a:p>
@@ -4682,7 +4682,7 @@
           <a:p>
             <a:fld id="{A143DE9B-B678-4EFB-BB7D-A4370204A0B0}" type="datetime1">
               <a:rPr lang="en-US" smtClean="0"/>
-              <a:t>3/25/2022</a:t>
+              <a:t>3/26/2022</a:t>
             </a:fld>
             <a:endParaRPr lang="en-US" dirty="0"/>
           </a:p>
@@ -4777,7 +4777,7 @@
           <a:p>
             <a:fld id="{E68812DA-F765-4142-A6A3-A8ED7235E082}" type="datetime1">
               <a:rPr lang="en-US" smtClean="0"/>
-              <a:t>3/25/2022</a:t>
+              <a:t>3/26/2022</a:t>
             </a:fld>
             <a:endParaRPr lang="en-US" dirty="0"/>
           </a:p>
@@ -5032,7 +5032,7 @@
           <a:p>
             <a:fld id="{3E0277FD-7DE6-41D4-930D-AC99F5AFE54E}" type="datetime1">
               <a:rPr lang="en-US" smtClean="0"/>
-              <a:t>3/25/2022</a:t>
+              <a:t>3/26/2022</a:t>
             </a:fld>
             <a:endParaRPr lang="en-US" dirty="0"/>
           </a:p>
@@ -5339,7 +5339,7 @@
           <a:p>
             <a:fld id="{9EA15526-7079-4B7B-987C-1B5FAE11A0FF}" type="datetime1">
               <a:rPr lang="en-US" smtClean="0"/>
-              <a:t>3/25/2022</a:t>
+              <a:t>3/26/2022</a:t>
             </a:fld>
             <a:endParaRPr lang="en-US" dirty="0"/>
           </a:p>
@@ -5574,7 +5574,7 @@
           <a:p>
             <a:fld id="{073ED0CC-082F-4160-86E5-0D6041F12778}" type="datetime1">
               <a:rPr lang="en-US" smtClean="0"/>
-              <a:t>3/25/2022</a:t>
+              <a:t>3/26/2022</a:t>
             </a:fld>
             <a:endParaRPr lang="en-US" dirty="0"/>
           </a:p>
@@ -6454,22 +6454,19 @@
       </p:pic>
       <p:pic>
         <p:nvPicPr>
-          <p:cNvPr id="5" name="Picture 4">
+          <p:cNvPr id="1028" name="Picture 4" descr="PILE THOUSANDS FAKED WATCHES SEEN MHT Editorial Stock Photo - Stock Image |  Shutterstock">
             <a:extLst>
               <a:ext uri="{FF2B5EF4-FFF2-40B4-BE49-F238E27FC236}">
-                <a16:creationId xmlns:a16="http://schemas.microsoft.com/office/drawing/2014/main" id="{F8A1C807-B9AD-4C9B-BF9F-60F03428998E}"/>
-              </a:ext>
-              <a:ext uri="{C183D7F6-B498-43B3-948B-1728B52AA6E4}">
-                <adec:decorative xmlns:adec="http://schemas.microsoft.com/office/drawing/2017/decorative" val="1"/>
+                <a16:creationId xmlns:a16="http://schemas.microsoft.com/office/drawing/2014/main" id="{CEFD1820-0027-49D4-8612-EA1F41F7FDDA}"/>
               </a:ext>
             </a:extLst>
           </p:cNvPr>
           <p:cNvPicPr>
-            <a:picLocks noChangeAspect="1"/>
+            <a:picLocks noChangeAspect="1" noChangeArrowheads="1"/>
           </p:cNvPicPr>
           <p:nvPr/>
         </p:nvPicPr>
-        <p:blipFill rotWithShape="1">
+        <p:blipFill>
           <a:blip r:embed="rId5">
             <a:extLst>
               <a:ext uri="{28A0092B-C50C-407E-A947-70E740481C1C}">
@@ -6477,17 +6474,29 @@
               </a:ext>
             </a:extLst>
           </a:blip>
-          <a:srcRect t="25355" r="-1" b="13135"/>
-          <a:stretch/>
+          <a:srcRect/>
+          <a:stretch>
+            <a:fillRect/>
+          </a:stretch>
         </p:blipFill>
-        <p:spPr>
-          <a:xfrm>
-            <a:off x="-1" y="-1"/>
-            <a:ext cx="12198915" cy="4220682"/>
+        <p:spPr bwMode="auto">
+          <a:xfrm>
+            <a:off x="-2" y="-1095554"/>
+            <a:ext cx="12192002" cy="5400616"/>
           </a:xfrm>
           <a:prstGeom prst="rect">
             <a:avLst/>
           </a:prstGeom>
+          <a:noFill/>
+          <a:extLst>
+            <a:ext uri="{909E8E84-426E-40DD-AFC4-6F175D3DCCD1}">
+              <a14:hiddenFill xmlns:a14="http://schemas.microsoft.com/office/drawing/2010/main">
+                <a:solidFill>
+                  <a:srgbClr val="FFFFFF"/>
+                </a:solidFill>
+              </a14:hiddenFill>
+            </a:ext>
+          </a:extLst>
         </p:spPr>
       </p:pic>
     </p:spTree>
@@ -8932,24 +8941,63 @@
           </a:prstGeom>
         </p:spPr>
       </p:pic>
+      <p:sp>
+        <p:nvSpPr>
+          <p:cNvPr id="24" name="Content Placeholder 2">
+            <a:extLst>
+              <a:ext uri="{FF2B5EF4-FFF2-40B4-BE49-F238E27FC236}">
+                <a16:creationId xmlns:a16="http://schemas.microsoft.com/office/drawing/2014/main" id="{F260476B-CCA6-412B-A9C5-399C34AE6F05}"/>
+              </a:ext>
+            </a:extLst>
+          </p:cNvPr>
+          <p:cNvSpPr>
+            <a:spLocks noGrp="1"/>
+          </p:cNvSpPr>
+          <p:nvPr>
+            <p:ph idx="1"/>
+          </p:nvPr>
+        </p:nvSpPr>
+        <p:spPr>
+          <a:xfrm>
+            <a:off x="5279472" y="1828801"/>
+            <a:ext cx="5844760" cy="3866048"/>
+          </a:xfrm>
+        </p:spPr>
+        <p:txBody>
+          <a:bodyPr anchor="ctr">
+            <a:normAutofit/>
+          </a:bodyPr>
+          <a:lstStyle/>
+          <a:p>
+            <a:pPr marL="36900" lvl="0" indent="0">
+              <a:buNone/>
+            </a:pPr>
+            <a:r>
+              <a:rPr lang="ru-RU" b="0" i="0" dirty="0">
+                <a:effectLst/>
+                <a:latin typeface="Times New Roman" panose="02020603050405020304" pitchFamily="18" charset="0"/>
+              </a:rPr>
+              <a:t>Основна цел на нашия проект е да демонстрираме нашите знания по Обектно-Ориентирано-Програмиране, чрез представяне на нашия проект „LuxWatch“- приложение-каталог, което използва база от данни с ръчни часовници и Ви ги представя под формата на каталог!</a:t>
+            </a:r>
+            <a:endParaRPr lang="en-US" dirty="0"/>
+          </a:p>
+        </p:txBody>
+      </p:sp>
       <p:pic>
         <p:nvPicPr>
-          <p:cNvPr id="3" name="Picture 2">
+          <p:cNvPr id="2050" name="Picture 2" descr="Goal tracking software for businesses | Databox">
             <a:extLst>
               <a:ext uri="{FF2B5EF4-FFF2-40B4-BE49-F238E27FC236}">
-                <a16:creationId xmlns:a16="http://schemas.microsoft.com/office/drawing/2014/main" id="{72B2D6DE-C9B5-4678-91EF-77E85F2350DA}"/>
-              </a:ext>
-              <a:ext uri="{C183D7F6-B498-43B3-948B-1728B52AA6E4}">
-                <adec:decorative xmlns:adec="http://schemas.microsoft.com/office/drawing/2017/decorative" val="1"/>
+                <a16:creationId xmlns:a16="http://schemas.microsoft.com/office/drawing/2014/main" id="{C9ED7797-7294-486B-BBAD-394F046B222C}"/>
               </a:ext>
             </a:extLst>
           </p:cNvPr>
           <p:cNvPicPr>
-            <a:picLocks noChangeAspect="1"/>
+            <a:picLocks noChangeAspect="1" noChangeArrowheads="1"/>
           </p:cNvPicPr>
           <p:nvPr/>
         </p:nvPicPr>
-        <p:blipFill rotWithShape="1">
+        <p:blipFill>
           <a:blip r:embed="rId6">
             <a:extLst>
               <a:ext uri="{28A0092B-C50C-407E-A947-70E740481C1C}">
@@ -8957,61 +9005,31 @@
               </a:ext>
             </a:extLst>
           </a:blip>
-          <a:srcRect r="11860" b="-3"/>
-          <a:stretch/>
+          <a:srcRect/>
+          <a:stretch>
+            <a:fillRect/>
+          </a:stretch>
         </p:blipFill>
-        <p:spPr>
-          <a:xfrm>
-            <a:off x="632815" y="643465"/>
-            <a:ext cx="4003193" cy="5103372"/>
+        <p:spPr bwMode="auto">
+          <a:xfrm>
+            <a:off x="739148" y="1347787"/>
+            <a:ext cx="3467100" cy="4162425"/>
           </a:xfrm>
           <a:prstGeom prst="rect">
             <a:avLst/>
           </a:prstGeom>
+          <a:noFill/>
+          <a:extLst>
+            <a:ext uri="{909E8E84-426E-40DD-AFC4-6F175D3DCCD1}">
+              <a14:hiddenFill xmlns:a14="http://schemas.microsoft.com/office/drawing/2010/main">
+                <a:solidFill>
+                  <a:srgbClr val="FFFFFF"/>
+                </a:solidFill>
+              </a14:hiddenFill>
+            </a:ext>
+          </a:extLst>
         </p:spPr>
       </p:pic>
-      <p:sp>
-        <p:nvSpPr>
-          <p:cNvPr id="24" name="Content Placeholder 2">
-            <a:extLst>
-              <a:ext uri="{FF2B5EF4-FFF2-40B4-BE49-F238E27FC236}">
-                <a16:creationId xmlns:a16="http://schemas.microsoft.com/office/drawing/2014/main" id="{F260476B-CCA6-412B-A9C5-399C34AE6F05}"/>
-              </a:ext>
-            </a:extLst>
-          </p:cNvPr>
-          <p:cNvSpPr>
-            <a:spLocks noGrp="1"/>
-          </p:cNvSpPr>
-          <p:nvPr>
-            <p:ph idx="1"/>
-          </p:nvPr>
-        </p:nvSpPr>
-        <p:spPr>
-          <a:xfrm>
-            <a:off x="5279472" y="1828801"/>
-            <a:ext cx="5844760" cy="3866048"/>
-          </a:xfrm>
-        </p:spPr>
-        <p:txBody>
-          <a:bodyPr anchor="ctr">
-            <a:normAutofit/>
-          </a:bodyPr>
-          <a:lstStyle/>
-          <a:p>
-            <a:pPr marL="36900" lvl="0" indent="0">
-              <a:buNone/>
-            </a:pPr>
-            <a:r>
-              <a:rPr lang="ru-RU" b="0" i="0" dirty="0">
-                <a:effectLst/>
-                <a:latin typeface="Times New Roman" panose="02020603050405020304" pitchFamily="18" charset="0"/>
-              </a:rPr>
-              <a:t>Основна цел на нашия проект е да демонстрираме нашите знания по Обектно-Ориентирано-Програмиране, чрез представяне на нашия проект „LuxWatch“- приложение-каталог, което използва база от данни с ръчни часовници и Ви ги представя под формата на каталог!</a:t>
-            </a:r>
-            <a:endParaRPr lang="en-US" dirty="0"/>
-          </a:p>
-        </p:txBody>
-      </p:sp>
     </p:spTree>
     <p:extLst>
       <p:ext uri="{BB962C8B-B14F-4D97-AF65-F5344CB8AC3E}">
@@ -10118,11 +10136,18 @@
               <a:buChar char="ü"/>
             </a:pPr>
             <a:r>
+              <a:rPr lang="bg-BG" b="0" i="0" dirty="0">
+                <a:effectLst/>
+                <a:latin typeface="Times New Roman" panose="02020603050405020304" pitchFamily="18" charset="0"/>
+              </a:rPr>
+              <a:t>Работа с </a:t>
+            </a:r>
+            <a:r>
               <a:rPr lang="en-US" b="0" i="0" dirty="0">
                 <a:effectLst/>
                 <a:latin typeface="Times New Roman" panose="02020603050405020304" pitchFamily="18" charset="0"/>
               </a:rPr>
-              <a:t>NuGet Packages Entity Framework</a:t>
+              <a:t>Visual Studio (C#, CSHTML)</a:t>
             </a:r>
           </a:p>
           <a:p>
@@ -10142,6 +10167,39 @@
                 <a:effectLst/>
                 <a:latin typeface="Times New Roman" panose="02020603050405020304" pitchFamily="18" charset="0"/>
               </a:rPr>
+              <a:t>MS SQL, SSMS</a:t>
+            </a:r>
+          </a:p>
+          <a:p>
+            <a:pPr>
+              <a:buFont typeface="Wingdings" panose="05000000000000000000" pitchFamily="2" charset="2"/>
+              <a:buChar char="ü"/>
+            </a:pPr>
+            <a:r>
+              <a:rPr lang="en-US" b="0" i="0" dirty="0">
+                <a:effectLst/>
+                <a:latin typeface="Times New Roman" panose="02020603050405020304" pitchFamily="18" charset="0"/>
+              </a:rPr>
+              <a:t>NuGet Packages Entity Framework</a:t>
+            </a:r>
+          </a:p>
+          <a:p>
+            <a:pPr>
+              <a:buFont typeface="Wingdings" panose="05000000000000000000" pitchFamily="2" charset="2"/>
+              <a:buChar char="ü"/>
+            </a:pPr>
+            <a:r>
+              <a:rPr lang="bg-BG" b="0" i="0" dirty="0">
+                <a:effectLst/>
+                <a:latin typeface="Times New Roman" panose="02020603050405020304" pitchFamily="18" charset="0"/>
+              </a:rPr>
+              <a:t>Работа с </a:t>
+            </a:r>
+            <a:r>
+              <a:rPr lang="en-US" b="0" i="0" dirty="0">
+                <a:effectLst/>
+                <a:latin typeface="Times New Roman" panose="02020603050405020304" pitchFamily="18" charset="0"/>
+              </a:rPr>
               <a:t>Git, </a:t>
             </a:r>
             <a:r>
@@ -10155,52 +10213,6 @@
               <a:effectLst/>
               <a:latin typeface="Times New Roman" panose="02020603050405020304" pitchFamily="18" charset="0"/>
             </a:endParaRPr>
-          </a:p>
-          <a:p>
-            <a:pPr>
-              <a:buFont typeface="Wingdings" panose="05000000000000000000" pitchFamily="2" charset="2"/>
-              <a:buChar char="ü"/>
-            </a:pPr>
-            <a:r>
-              <a:rPr lang="bg-BG" b="0" i="0" dirty="0">
-                <a:effectLst/>
-                <a:latin typeface="Times New Roman" panose="02020603050405020304" pitchFamily="18" charset="0"/>
-              </a:rPr>
-              <a:t>Работа с </a:t>
-            </a:r>
-            <a:r>
-              <a:rPr lang="en-US" b="0" i="0" dirty="0">
-                <a:effectLst/>
-                <a:latin typeface="Times New Roman" panose="02020603050405020304" pitchFamily="18" charset="0"/>
-              </a:rPr>
-              <a:t>Visual Studio (C#, CSHTML)</a:t>
-            </a:r>
-          </a:p>
-          <a:p>
-            <a:pPr>
-              <a:buFont typeface="Wingdings" panose="05000000000000000000" pitchFamily="2" charset="2"/>
-              <a:buChar char="ü"/>
-            </a:pPr>
-            <a:r>
-              <a:rPr lang="bg-BG" b="0" i="0" dirty="0">
-                <a:effectLst/>
-                <a:latin typeface="Times New Roman" panose="02020603050405020304" pitchFamily="18" charset="0"/>
-              </a:rPr>
-              <a:t>Работа с </a:t>
-            </a:r>
-            <a:r>
-              <a:rPr lang="en-US" b="0" i="0" dirty="0">
-                <a:effectLst/>
-                <a:latin typeface="Times New Roman" panose="02020603050405020304" pitchFamily="18" charset="0"/>
-              </a:rPr>
-              <a:t>MS SQL, SSMS</a:t>
-            </a:r>
-          </a:p>
-          <a:p>
-            <a:pPr marL="36900" indent="0">
-              <a:buNone/>
-            </a:pPr>
-            <a:endParaRPr lang="en-US" dirty="0"/>
           </a:p>
         </p:txBody>
       </p:sp>
@@ -12031,21 +12043,21 @@
 </file>
 
 <file path=customXml/item1.xml><?xml version="1.0" encoding="utf-8"?>
+<p:properties xmlns:p="http://schemas.microsoft.com/office/2006/metadata/properties" xmlns:xsi="http://www.w3.org/2001/XMLSchema-instance" xmlns:pc="http://schemas.microsoft.com/office/infopath/2007/PartnerControls">
+  <documentManagement>
+    <Status xmlns="71af3243-3dd4-4a8d-8c0d-dd76da1f02a5">Not started</Status>
+    <MediaServiceKeyPoints xmlns="71af3243-3dd4-4a8d-8c0d-dd76da1f02a5" xsi:nil="true"/>
+  </documentManagement>
+</p:properties>
+</file>
+
+<file path=customXml/item2.xml><?xml version="1.0" encoding="utf-8"?>
 <?mso-contentType ?>
 <FormTemplates xmlns="http://schemas.microsoft.com/sharepoint/v3/contenttype/forms">
   <Display>DocumentLibraryForm</Display>
   <Edit>DocumentLibraryForm</Edit>
   <New>DocumentLibraryForm</New>
 </FormTemplates>
-</file>
-
-<file path=customXml/item2.xml><?xml version="1.0" encoding="utf-8"?>
-<p:properties xmlns:p="http://schemas.microsoft.com/office/2006/metadata/properties" xmlns:xsi="http://www.w3.org/2001/XMLSchema-instance" xmlns:pc="http://schemas.microsoft.com/office/infopath/2007/PartnerControls">
-  <documentManagement>
-    <Status xmlns="71af3243-3dd4-4a8d-8c0d-dd76da1f02a5">Not started</Status>
-    <MediaServiceKeyPoints xmlns="71af3243-3dd4-4a8d-8c0d-dd76da1f02a5" xsi:nil="true"/>
-  </documentManagement>
-</p:properties>
 </file>
 
 <file path=customXml/item3.xml><?xml version="1.0" encoding="utf-8"?>
@@ -12270,19 +12282,19 @@
 </file>
 
 <file path=customXml/itemProps1.xml><?xml version="1.0" encoding="utf-8"?>
-<ds:datastoreItem xmlns:ds="http://schemas.openxmlformats.org/officeDocument/2006/customXml" ds:itemID="{64B270AB-C138-415C-897E-3C24487DECF1}">
+<ds:datastoreItem xmlns:ds="http://schemas.openxmlformats.org/officeDocument/2006/customXml" ds:itemID="{2C4C00F4-06E9-43E3-AD97-88A857CEFA82}">
   <ds:schemaRefs>
-    <ds:schemaRef ds:uri="http://schemas.microsoft.com/sharepoint/v3/contenttype/forms"/>
+    <ds:schemaRef ds:uri="http://schemas.microsoft.com/office/2006/metadata/properties"/>
+    <ds:schemaRef ds:uri="http://schemas.microsoft.com/office/infopath/2007/PartnerControls"/>
+    <ds:schemaRef ds:uri="71af3243-3dd4-4a8d-8c0d-dd76da1f02a5"/>
   </ds:schemaRefs>
 </ds:datastoreItem>
 </file>
 
 <file path=customXml/itemProps2.xml><?xml version="1.0" encoding="utf-8"?>
-<ds:datastoreItem xmlns:ds="http://schemas.openxmlformats.org/officeDocument/2006/customXml" ds:itemID="{2C4C00F4-06E9-43E3-AD97-88A857CEFA82}">
+<ds:datastoreItem xmlns:ds="http://schemas.openxmlformats.org/officeDocument/2006/customXml" ds:itemID="{64B270AB-C138-415C-897E-3C24487DECF1}">
   <ds:schemaRefs>
-    <ds:schemaRef ds:uri="http://schemas.microsoft.com/office/2006/metadata/properties"/>
-    <ds:schemaRef ds:uri="http://schemas.microsoft.com/office/infopath/2007/PartnerControls"/>
-    <ds:schemaRef ds:uri="71af3243-3dd4-4a8d-8c0d-dd76da1f02a5"/>
+    <ds:schemaRef ds:uri="http://schemas.microsoft.com/sharepoint/v3/contenttype/forms"/>
   </ds:schemaRefs>
 </ds:datastoreItem>
 </file>

--- a/LuxWatch.pptx
+++ b/LuxWatch.pptx
@@ -212,7 +212,7 @@
           <a:p>
             <a:fld id="{AFD01546-198A-4195-BCF8-F0FF54C90E5E}" type="datetimeFigureOut">
               <a:rPr lang="en-US" smtClean="0"/>
-              <a:t>3/26/2022</a:t>
+              <a:t>3/27/2022</a:t>
             </a:fld>
             <a:endParaRPr lang="en-US" dirty="0"/>
           </a:p>
@@ -808,7 +808,7 @@
           <a:p>
             <a:fld id="{88D38747-4367-4BD2-8D51-C97E202738E2}" type="datetime1">
               <a:rPr lang="en-US" smtClean="0"/>
-              <a:t>3/26/2022</a:t>
+              <a:t>3/27/2022</a:t>
             </a:fld>
             <a:endParaRPr lang="en-US" dirty="0"/>
           </a:p>
@@ -1113,7 +1113,7 @@
           <a:p>
             <a:fld id="{11F1B079-7EF0-44EE-B798-BCC497C9F3B2}" type="datetime1">
               <a:rPr lang="en-US" smtClean="0"/>
-              <a:t>3/26/2022</a:t>
+              <a:t>3/27/2022</a:t>
             </a:fld>
             <a:endParaRPr lang="en-US" dirty="0"/>
           </a:p>
@@ -1307,7 +1307,7 @@
           <a:p>
             <a:fld id="{28FF70A8-1D13-4657-95F0-A9EA54967B8D}" type="datetime1">
               <a:rPr lang="en-US" smtClean="0"/>
-              <a:t>3/26/2022</a:t>
+              <a:t>3/27/2022</a:t>
             </a:fld>
             <a:endParaRPr lang="en-US" dirty="0"/>
           </a:p>
@@ -1570,7 +1570,7 @@
           <a:p>
             <a:fld id="{21EB90AC-71BD-4C7F-8ACA-7B3F18292E63}" type="datetime1">
               <a:rPr lang="en-US" smtClean="0"/>
-              <a:t>3/26/2022</a:t>
+              <a:t>3/27/2022</a:t>
             </a:fld>
             <a:endParaRPr lang="en-US" dirty="0"/>
           </a:p>
@@ -2006,7 +2006,7 @@
           <a:p>
             <a:fld id="{4E6EFC2C-8905-46F0-B443-CE905B76BA01}" type="datetime1">
               <a:rPr lang="en-US" smtClean="0"/>
-              <a:t>3/26/2022</a:t>
+              <a:t>3/27/2022</a:t>
             </a:fld>
             <a:endParaRPr lang="en-US" dirty="0"/>
           </a:p>
@@ -2543,7 +2543,7 @@
           <a:p>
             <a:fld id="{D9079DC3-C9B5-499E-9140-0DC28B7074E2}" type="datetime1">
               <a:rPr lang="en-US" smtClean="0"/>
-              <a:t>3/26/2022</a:t>
+              <a:t>3/27/2022</a:t>
             </a:fld>
             <a:endParaRPr lang="en-US" dirty="0"/>
           </a:p>
@@ -3425,7 +3425,7 @@
           <a:p>
             <a:fld id="{30BB33EA-E472-4D22-9C03-A9C14AA21CED}" type="datetime1">
               <a:rPr lang="en-US" smtClean="0"/>
-              <a:t>3/26/2022</a:t>
+              <a:t>3/27/2022</a:t>
             </a:fld>
             <a:endParaRPr lang="en-US" dirty="0"/>
           </a:p>
@@ -3595,7 +3595,7 @@
           <a:p>
             <a:fld id="{73C55A3C-5767-4844-A0A3-83778C2E5409}" type="datetime1">
               <a:rPr lang="en-US" smtClean="0"/>
-              <a:t>3/26/2022</a:t>
+              <a:t>3/27/2022</a:t>
             </a:fld>
             <a:endParaRPr lang="en-US" dirty="0"/>
           </a:p>
@@ -3839,7 +3839,7 @@
           <a:p>
             <a:fld id="{CAE507A8-A5CF-4D38-AB86-7EDDA87A85D4}" type="datetime1">
               <a:rPr lang="en-US" smtClean="0"/>
-              <a:t>3/26/2022</a:t>
+              <a:t>3/27/2022</a:t>
             </a:fld>
             <a:endParaRPr lang="en-US" dirty="0"/>
           </a:p>
@@ -4081,7 +4081,7 @@
           <a:p>
             <a:fld id="{BDFCD27C-8599-43EF-BA1D-14DDC1946E06}" type="datetime1">
               <a:rPr lang="en-US" smtClean="0"/>
-              <a:t>3/26/2022</a:t>
+              <a:t>3/27/2022</a:t>
             </a:fld>
             <a:endParaRPr lang="en-US" dirty="0"/>
           </a:p>
@@ -4564,7 +4564,7 @@
           <a:p>
             <a:fld id="{49343D99-809A-49C0-96E5-4250D0B498EE}" type="datetime1">
               <a:rPr lang="en-US" smtClean="0"/>
-              <a:t>3/26/2022</a:t>
+              <a:t>3/27/2022</a:t>
             </a:fld>
             <a:endParaRPr lang="en-US" dirty="0"/>
           </a:p>
@@ -4682,7 +4682,7 @@
           <a:p>
             <a:fld id="{A143DE9B-B678-4EFB-BB7D-A4370204A0B0}" type="datetime1">
               <a:rPr lang="en-US" smtClean="0"/>
-              <a:t>3/26/2022</a:t>
+              <a:t>3/27/2022</a:t>
             </a:fld>
             <a:endParaRPr lang="en-US" dirty="0"/>
           </a:p>
@@ -4777,7 +4777,7 @@
           <a:p>
             <a:fld id="{E68812DA-F765-4142-A6A3-A8ED7235E082}" type="datetime1">
               <a:rPr lang="en-US" smtClean="0"/>
-              <a:t>3/26/2022</a:t>
+              <a:t>3/27/2022</a:t>
             </a:fld>
             <a:endParaRPr lang="en-US" dirty="0"/>
           </a:p>
@@ -5032,7 +5032,7 @@
           <a:p>
             <a:fld id="{3E0277FD-7DE6-41D4-930D-AC99F5AFE54E}" type="datetime1">
               <a:rPr lang="en-US" smtClean="0"/>
-              <a:t>3/26/2022</a:t>
+              <a:t>3/27/2022</a:t>
             </a:fld>
             <a:endParaRPr lang="en-US" dirty="0"/>
           </a:p>
@@ -5339,7 +5339,7 @@
           <a:p>
             <a:fld id="{9EA15526-7079-4B7B-987C-1B5FAE11A0FF}" type="datetime1">
               <a:rPr lang="en-US" smtClean="0"/>
-              <a:t>3/26/2022</a:t>
+              <a:t>3/27/2022</a:t>
             </a:fld>
             <a:endParaRPr lang="en-US" dirty="0"/>
           </a:p>
@@ -5574,7 +5574,7 @@
           <a:p>
             <a:fld id="{073ED0CC-082F-4160-86E5-0D6041F12778}" type="datetime1">
               <a:rPr lang="en-US" smtClean="0"/>
-              <a:t>3/26/2022</a:t>
+              <a:t>3/27/2022</a:t>
             </a:fld>
             <a:endParaRPr lang="en-US" dirty="0"/>
           </a:p>
@@ -10122,6 +10122,12 @@
           </a:bodyPr>
           <a:lstStyle/>
           <a:p>
+            <a:endParaRPr lang="en-US" b="0" i="0" dirty="0">
+              <a:effectLst/>
+              <a:latin typeface="Times New Roman" panose="02020603050405020304" pitchFamily="18" charset="0"/>
+            </a:endParaRPr>
+          </a:p>
+          <a:p>
             <a:r>
               <a:rPr lang="bg-BG" b="0" i="0" dirty="0">
                 <a:effectLst/>
@@ -12043,21 +12049,21 @@
 </file>
 
 <file path=customXml/item1.xml><?xml version="1.0" encoding="utf-8"?>
+<?mso-contentType ?>
+<FormTemplates xmlns="http://schemas.microsoft.com/sharepoint/v3/contenttype/forms">
+  <Display>DocumentLibraryForm</Display>
+  <Edit>DocumentLibraryForm</Edit>
+  <New>DocumentLibraryForm</New>
+</FormTemplates>
+</file>
+
+<file path=customXml/item2.xml><?xml version="1.0" encoding="utf-8"?>
 <p:properties xmlns:p="http://schemas.microsoft.com/office/2006/metadata/properties" xmlns:xsi="http://www.w3.org/2001/XMLSchema-instance" xmlns:pc="http://schemas.microsoft.com/office/infopath/2007/PartnerControls">
   <documentManagement>
     <Status xmlns="71af3243-3dd4-4a8d-8c0d-dd76da1f02a5">Not started</Status>
     <MediaServiceKeyPoints xmlns="71af3243-3dd4-4a8d-8c0d-dd76da1f02a5" xsi:nil="true"/>
   </documentManagement>
 </p:properties>
-</file>
-
-<file path=customXml/item2.xml><?xml version="1.0" encoding="utf-8"?>
-<?mso-contentType ?>
-<FormTemplates xmlns="http://schemas.microsoft.com/sharepoint/v3/contenttype/forms">
-  <Display>DocumentLibraryForm</Display>
-  <Edit>DocumentLibraryForm</Edit>
-  <New>DocumentLibraryForm</New>
-</FormTemplates>
 </file>
 
 <file path=customXml/item3.xml><?xml version="1.0" encoding="utf-8"?>
@@ -12282,19 +12288,19 @@
 </file>
 
 <file path=customXml/itemProps1.xml><?xml version="1.0" encoding="utf-8"?>
+<ds:datastoreItem xmlns:ds="http://schemas.openxmlformats.org/officeDocument/2006/customXml" ds:itemID="{64B270AB-C138-415C-897E-3C24487DECF1}">
+  <ds:schemaRefs>
+    <ds:schemaRef ds:uri="http://schemas.microsoft.com/sharepoint/v3/contenttype/forms"/>
+  </ds:schemaRefs>
+</ds:datastoreItem>
+</file>
+
+<file path=customXml/itemProps2.xml><?xml version="1.0" encoding="utf-8"?>
 <ds:datastoreItem xmlns:ds="http://schemas.openxmlformats.org/officeDocument/2006/customXml" ds:itemID="{2C4C00F4-06E9-43E3-AD97-88A857CEFA82}">
   <ds:schemaRefs>
     <ds:schemaRef ds:uri="http://schemas.microsoft.com/office/2006/metadata/properties"/>
     <ds:schemaRef ds:uri="http://schemas.microsoft.com/office/infopath/2007/PartnerControls"/>
     <ds:schemaRef ds:uri="71af3243-3dd4-4a8d-8c0d-dd76da1f02a5"/>
-  </ds:schemaRefs>
-</ds:datastoreItem>
-</file>
-
-<file path=customXml/itemProps2.xml><?xml version="1.0" encoding="utf-8"?>
-<ds:datastoreItem xmlns:ds="http://schemas.openxmlformats.org/officeDocument/2006/customXml" ds:itemID="{64B270AB-C138-415C-897E-3C24487DECF1}">
-  <ds:schemaRefs>
-    <ds:schemaRef ds:uri="http://schemas.microsoft.com/sharepoint/v3/contenttype/forms"/>
   </ds:schemaRefs>
 </ds:datastoreItem>
 </file>
